--- a/images/frontiers-eq-overview.pptx
+++ b/images/frontiers-eq-overview.pptx
@@ -104,6 +104,11 @@
       </a:defRPr>
     </a:lvl9pPr>
   </p:defaultTextStyle>
+  <p:extLst>
+    <p:ext uri="{EFAFB233-063F-42B5-8137-9DF3F51BA10A}">
+      <p15:sldGuideLst xmlns:p15="http://schemas.microsoft.com/office/powerpoint/2012/main"/>
+    </p:ext>
+  </p:extLst>
 </p:presentation>
 </file>
 
@@ -1739,10 +1744,24 @@
     <dgm:pt modelId="{006C1CA3-3E0F-924E-9200-A3E4997F0824}" type="parTrans" cxnId="{281656CA-8E3A-5B4B-8120-393870AE9941}">
       <dgm:prSet/>
       <dgm:spPr/>
+      <dgm:t>
+        <a:bodyPr/>
+        <a:lstStyle/>
+        <a:p>
+          <a:endParaRPr lang="en-US"/>
+        </a:p>
+      </dgm:t>
     </dgm:pt>
     <dgm:pt modelId="{22364FCD-FD07-2949-9E76-FAF042C52EC2}" type="sibTrans" cxnId="{281656CA-8E3A-5B4B-8120-393870AE9941}">
       <dgm:prSet/>
       <dgm:spPr/>
+      <dgm:t>
+        <a:bodyPr/>
+        <a:lstStyle/>
+        <a:p>
+          <a:endParaRPr lang="en-US"/>
+        </a:p>
+      </dgm:t>
     </dgm:pt>
     <dgm:pt modelId="{D9B27020-2DF0-8042-B3DD-0A444A0DD1CB}" type="pres">
       <dgm:prSet presAssocID="{7A6ECE7E-2BA9-4F44-8C0E-C8A565FA94DC}" presName="cycleMatrixDiagram" presStyleCnt="0">
@@ -4936,7 +4955,7 @@
           <a:p>
             <a:fld id="{40C83135-575C-1245-BBD6-70B59AD5B5D3}" type="datetimeFigureOut">
               <a:rPr lang="en-US" smtClean="0"/>
-              <a:t>9/6/23</a:t>
+              <a:t>9/8/23</a:t>
             </a:fld>
             <a:endParaRPr lang="en-US"/>
           </a:p>
@@ -5106,7 +5125,7 @@
           <a:p>
             <a:fld id="{40C83135-575C-1245-BBD6-70B59AD5B5D3}" type="datetimeFigureOut">
               <a:rPr lang="en-US" smtClean="0"/>
-              <a:t>9/6/23</a:t>
+              <a:t>9/8/23</a:t>
             </a:fld>
             <a:endParaRPr lang="en-US"/>
           </a:p>
@@ -5286,7 +5305,7 @@
           <a:p>
             <a:fld id="{40C83135-575C-1245-BBD6-70B59AD5B5D3}" type="datetimeFigureOut">
               <a:rPr lang="en-US" smtClean="0"/>
-              <a:t>9/6/23</a:t>
+              <a:t>9/8/23</a:t>
             </a:fld>
             <a:endParaRPr lang="en-US"/>
           </a:p>
@@ -5456,7 +5475,7 @@
           <a:p>
             <a:fld id="{40C83135-575C-1245-BBD6-70B59AD5B5D3}" type="datetimeFigureOut">
               <a:rPr lang="en-US" smtClean="0"/>
-              <a:t>9/6/23</a:t>
+              <a:t>9/8/23</a:t>
             </a:fld>
             <a:endParaRPr lang="en-US"/>
           </a:p>
@@ -5700,7 +5719,7 @@
           <a:p>
             <a:fld id="{40C83135-575C-1245-BBD6-70B59AD5B5D3}" type="datetimeFigureOut">
               <a:rPr lang="en-US" smtClean="0"/>
-              <a:t>9/6/23</a:t>
+              <a:t>9/8/23</a:t>
             </a:fld>
             <a:endParaRPr lang="en-US"/>
           </a:p>
@@ -5932,7 +5951,7 @@
           <a:p>
             <a:fld id="{40C83135-575C-1245-BBD6-70B59AD5B5D3}" type="datetimeFigureOut">
               <a:rPr lang="en-US" smtClean="0"/>
-              <a:t>9/6/23</a:t>
+              <a:t>9/8/23</a:t>
             </a:fld>
             <a:endParaRPr lang="en-US"/>
           </a:p>
@@ -6299,7 +6318,7 @@
           <a:p>
             <a:fld id="{40C83135-575C-1245-BBD6-70B59AD5B5D3}" type="datetimeFigureOut">
               <a:rPr lang="en-US" smtClean="0"/>
-              <a:t>9/6/23</a:t>
+              <a:t>9/8/23</a:t>
             </a:fld>
             <a:endParaRPr lang="en-US"/>
           </a:p>
@@ -6417,7 +6436,7 @@
           <a:p>
             <a:fld id="{40C83135-575C-1245-BBD6-70B59AD5B5D3}" type="datetimeFigureOut">
               <a:rPr lang="en-US" smtClean="0"/>
-              <a:t>9/6/23</a:t>
+              <a:t>9/8/23</a:t>
             </a:fld>
             <a:endParaRPr lang="en-US"/>
           </a:p>
@@ -6512,7 +6531,7 @@
           <a:p>
             <a:fld id="{40C83135-575C-1245-BBD6-70B59AD5B5D3}" type="datetimeFigureOut">
               <a:rPr lang="en-US" smtClean="0"/>
-              <a:t>9/6/23</a:t>
+              <a:t>9/8/23</a:t>
             </a:fld>
             <a:endParaRPr lang="en-US"/>
           </a:p>
@@ -6789,7 +6808,7 @@
           <a:p>
             <a:fld id="{40C83135-575C-1245-BBD6-70B59AD5B5D3}" type="datetimeFigureOut">
               <a:rPr lang="en-US" smtClean="0"/>
-              <a:t>9/6/23</a:t>
+              <a:t>9/8/23</a:t>
             </a:fld>
             <a:endParaRPr lang="en-US"/>
           </a:p>
@@ -7046,7 +7065,7 @@
           <a:p>
             <a:fld id="{40C83135-575C-1245-BBD6-70B59AD5B5D3}" type="datetimeFigureOut">
               <a:rPr lang="en-US" smtClean="0"/>
-              <a:t>9/6/23</a:t>
+              <a:t>9/8/23</a:t>
             </a:fld>
             <a:endParaRPr lang="en-US"/>
           </a:p>
@@ -7259,7 +7278,7 @@
           <a:p>
             <a:fld id="{40C83135-575C-1245-BBD6-70B59AD5B5D3}" type="datetimeFigureOut">
               <a:rPr lang="en-US" smtClean="0"/>
-              <a:t>9/6/23</a:t>
+              <a:t>9/8/23</a:t>
             </a:fld>
             <a:endParaRPr lang="en-US"/>
           </a:p>
@@ -7677,7 +7696,7 @@
           <p:nvPr>
             <p:extLst>
               <p:ext uri="{D42A27DB-BD31-4B8C-83A1-F6EECF244321}">
-                <p14:modId xmlns:p14="http://schemas.microsoft.com/office/powerpoint/2010/main" val="3921203476"/>
+                <p14:modId xmlns:p14="http://schemas.microsoft.com/office/powerpoint/2010/main" val="3474472575"/>
               </p:ext>
             </p:extLst>
           </p:nvPr>
